--- a/image-sources/recursie.pptx
+++ b/image-sources/recursie.pptx
@@ -7,6 +7,7 @@
   <p:sldIdLst>
     <p:sldId id="256" r:id="rId2"/>
     <p:sldId id="257" r:id="rId3"/>
+    <p:sldId id="258" r:id="rId4"/>
   </p:sldIdLst>
   <p:sldSz cx="12192000" cy="6858000"/>
   <p:notesSz cx="6858000" cy="9144000"/>
@@ -105,6 +106,11 @@
       </a:defRPr>
     </a:lvl9pPr>
   </p:defaultTextStyle>
+  <p:extLst>
+    <p:ext uri="{EFAFB233-063F-42B5-8137-9DF3F51BA10A}">
+      <p15:sldGuideLst xmlns:p15="http://schemas.microsoft.com/office/powerpoint/2012/main"/>
+    </p:ext>
+  </p:extLst>
 </p:presentation>
 </file>
 
@@ -257,7 +263,7 @@
           <a:p>
             <a:fld id="{C6648D0A-0689-EE48-A405-32B3B929F402}" type="datetimeFigureOut">
               <a:rPr lang="en-BE" smtClean="0"/>
-              <a:t>11/04/2024</a:t>
+              <a:t>22/04/2024</a:t>
             </a:fld>
             <a:endParaRPr lang="en-BE"/>
           </a:p>
@@ -457,7 +463,7 @@
           <a:p>
             <a:fld id="{C6648D0A-0689-EE48-A405-32B3B929F402}" type="datetimeFigureOut">
               <a:rPr lang="en-BE" smtClean="0"/>
-              <a:t>11/04/2024</a:t>
+              <a:t>22/04/2024</a:t>
             </a:fld>
             <a:endParaRPr lang="en-BE"/>
           </a:p>
@@ -667,7 +673,7 @@
           <a:p>
             <a:fld id="{C6648D0A-0689-EE48-A405-32B3B929F402}" type="datetimeFigureOut">
               <a:rPr lang="en-BE" smtClean="0"/>
-              <a:t>11/04/2024</a:t>
+              <a:t>22/04/2024</a:t>
             </a:fld>
             <a:endParaRPr lang="en-BE"/>
           </a:p>
@@ -867,7 +873,7 @@
           <a:p>
             <a:fld id="{C6648D0A-0689-EE48-A405-32B3B929F402}" type="datetimeFigureOut">
               <a:rPr lang="en-BE" smtClean="0"/>
-              <a:t>11/04/2024</a:t>
+              <a:t>22/04/2024</a:t>
             </a:fld>
             <a:endParaRPr lang="en-BE"/>
           </a:p>
@@ -1143,7 +1149,7 @@
           <a:p>
             <a:fld id="{C6648D0A-0689-EE48-A405-32B3B929F402}" type="datetimeFigureOut">
               <a:rPr lang="en-BE" smtClean="0"/>
-              <a:t>11/04/2024</a:t>
+              <a:t>22/04/2024</a:t>
             </a:fld>
             <a:endParaRPr lang="en-BE"/>
           </a:p>
@@ -1411,7 +1417,7 @@
           <a:p>
             <a:fld id="{C6648D0A-0689-EE48-A405-32B3B929F402}" type="datetimeFigureOut">
               <a:rPr lang="en-BE" smtClean="0"/>
-              <a:t>11/04/2024</a:t>
+              <a:t>22/04/2024</a:t>
             </a:fld>
             <a:endParaRPr lang="en-BE"/>
           </a:p>
@@ -1826,7 +1832,7 @@
           <a:p>
             <a:fld id="{C6648D0A-0689-EE48-A405-32B3B929F402}" type="datetimeFigureOut">
               <a:rPr lang="en-BE" smtClean="0"/>
-              <a:t>11/04/2024</a:t>
+              <a:t>22/04/2024</a:t>
             </a:fld>
             <a:endParaRPr lang="en-BE"/>
           </a:p>
@@ -1968,7 +1974,7 @@
           <a:p>
             <a:fld id="{C6648D0A-0689-EE48-A405-32B3B929F402}" type="datetimeFigureOut">
               <a:rPr lang="en-BE" smtClean="0"/>
-              <a:t>11/04/2024</a:t>
+              <a:t>22/04/2024</a:t>
             </a:fld>
             <a:endParaRPr lang="en-BE"/>
           </a:p>
@@ -2081,7 +2087,7 @@
           <a:p>
             <a:fld id="{C6648D0A-0689-EE48-A405-32B3B929F402}" type="datetimeFigureOut">
               <a:rPr lang="en-BE" smtClean="0"/>
-              <a:t>11/04/2024</a:t>
+              <a:t>22/04/2024</a:t>
             </a:fld>
             <a:endParaRPr lang="en-BE"/>
           </a:p>
@@ -2394,7 +2400,7 @@
           <a:p>
             <a:fld id="{C6648D0A-0689-EE48-A405-32B3B929F402}" type="datetimeFigureOut">
               <a:rPr lang="en-BE" smtClean="0"/>
-              <a:t>11/04/2024</a:t>
+              <a:t>22/04/2024</a:t>
             </a:fld>
             <a:endParaRPr lang="en-BE"/>
           </a:p>
@@ -2683,7 +2689,7 @@
           <a:p>
             <a:fld id="{C6648D0A-0689-EE48-A405-32B3B929F402}" type="datetimeFigureOut">
               <a:rPr lang="en-BE" smtClean="0"/>
-              <a:t>11/04/2024</a:t>
+              <a:t>22/04/2024</a:t>
             </a:fld>
             <a:endParaRPr lang="en-BE"/>
           </a:p>
@@ -2926,7 +2932,7 @@
           <a:p>
             <a:fld id="{C6648D0A-0689-EE48-A405-32B3B929F402}" type="datetimeFigureOut">
               <a:rPr lang="en-BE" smtClean="0"/>
-              <a:t>11/04/2024</a:t>
+              <a:t>22/04/2024</a:t>
             </a:fld>
             <a:endParaRPr lang="en-BE"/>
           </a:p>
@@ -8451,6 +8457,2256 @@
     <p:extLst>
       <p:ext uri="{BB962C8B-B14F-4D97-AF65-F5344CB8AC3E}">
         <p14:creationId xmlns:p14="http://schemas.microsoft.com/office/powerpoint/2010/main" val="1574522801"/>
+      </p:ext>
+    </p:extLst>
+  </p:cSld>
+  <p:clrMapOvr>
+    <a:masterClrMapping/>
+  </p:clrMapOvr>
+</p:sld>
+</file>
+
+<file path=ppt/slides/slide3.xml><?xml version="1.0" encoding="utf-8"?>
+<p:sld xmlns:a="http://schemas.openxmlformats.org/drawingml/2006/main" xmlns:r="http://schemas.openxmlformats.org/officeDocument/2006/relationships" xmlns:p="http://schemas.openxmlformats.org/presentationml/2006/main">
+  <p:cSld>
+    <p:spTree>
+      <p:nvGrpSpPr>
+        <p:cNvPr id="1" name=""/>
+        <p:cNvGrpSpPr/>
+        <p:nvPr/>
+      </p:nvGrpSpPr>
+      <p:grpSpPr>
+        <a:xfrm>
+          <a:off x="0" y="0"/>
+          <a:ext cx="0" cy="0"/>
+          <a:chOff x="0" y="0"/>
+          <a:chExt cx="0" cy="0"/>
+        </a:xfrm>
+      </p:grpSpPr>
+      <p:sp>
+        <p:nvSpPr>
+          <p:cNvPr id="4" name="Oval 3">
+            <a:extLst>
+              <a:ext uri="{FF2B5EF4-FFF2-40B4-BE49-F238E27FC236}">
+                <a16:creationId xmlns:a16="http://schemas.microsoft.com/office/drawing/2014/main" id="{A788594E-2B65-05D4-D2C2-146CA9D384A1}"/>
+              </a:ext>
+            </a:extLst>
+          </p:cNvPr>
+          <p:cNvSpPr/>
+          <p:nvPr/>
+        </p:nvSpPr>
+        <p:spPr>
+          <a:xfrm>
+            <a:off x="1578279" y="2066795"/>
+            <a:ext cx="448484" cy="448484"/>
+          </a:xfrm>
+          <a:prstGeom prst="ellipse">
+            <a:avLst/>
+          </a:prstGeom>
+        </p:spPr>
+        <p:style>
+          <a:lnRef idx="2">
+            <a:schemeClr val="dk1"/>
+          </a:lnRef>
+          <a:fillRef idx="1">
+            <a:schemeClr val="lt1"/>
+          </a:fillRef>
+          <a:effectRef idx="0">
+            <a:schemeClr val="dk1"/>
+          </a:effectRef>
+          <a:fontRef idx="minor">
+            <a:schemeClr val="dk1"/>
+          </a:fontRef>
+        </p:style>
+        <p:txBody>
+          <a:bodyPr wrap="none" lIns="0" tIns="0" rIns="0" bIns="0" rtlCol="0" anchor="ctr"/>
+          <a:lstStyle/>
+          <a:p>
+            <a:pPr algn="ctr"/>
+            <a:r>
+              <a:rPr lang="en-BE" dirty="0"/>
+              <a:t>0</a:t>
+            </a:r>
+          </a:p>
+        </p:txBody>
+      </p:sp>
+      <p:sp>
+        <p:nvSpPr>
+          <p:cNvPr id="5" name="Oval 4">
+            <a:extLst>
+              <a:ext uri="{FF2B5EF4-FFF2-40B4-BE49-F238E27FC236}">
+                <a16:creationId xmlns:a16="http://schemas.microsoft.com/office/drawing/2014/main" id="{213E24E5-2F95-251F-94A7-FEB08DB8D8EB}"/>
+              </a:ext>
+            </a:extLst>
+          </p:cNvPr>
+          <p:cNvSpPr/>
+          <p:nvPr/>
+        </p:nvSpPr>
+        <p:spPr>
+          <a:xfrm>
+            <a:off x="2249154" y="2066795"/>
+            <a:ext cx="448484" cy="448484"/>
+          </a:xfrm>
+          <a:prstGeom prst="ellipse">
+            <a:avLst/>
+          </a:prstGeom>
+        </p:spPr>
+        <p:style>
+          <a:lnRef idx="2">
+            <a:schemeClr val="dk1"/>
+          </a:lnRef>
+          <a:fillRef idx="1">
+            <a:schemeClr val="lt1"/>
+          </a:fillRef>
+          <a:effectRef idx="0">
+            <a:schemeClr val="dk1"/>
+          </a:effectRef>
+          <a:fontRef idx="minor">
+            <a:schemeClr val="dk1"/>
+          </a:fontRef>
+        </p:style>
+        <p:txBody>
+          <a:bodyPr wrap="none" lIns="0" tIns="0" rIns="0" bIns="0" rtlCol="0" anchor="ctr"/>
+          <a:lstStyle/>
+          <a:p>
+            <a:pPr algn="ctr"/>
+            <a:r>
+              <a:rPr lang="en-BE" dirty="0"/>
+              <a:t>1</a:t>
+            </a:r>
+          </a:p>
+        </p:txBody>
+      </p:sp>
+      <p:sp>
+        <p:nvSpPr>
+          <p:cNvPr id="6" name="Oval 5">
+            <a:extLst>
+              <a:ext uri="{FF2B5EF4-FFF2-40B4-BE49-F238E27FC236}">
+                <a16:creationId xmlns:a16="http://schemas.microsoft.com/office/drawing/2014/main" id="{38B2C8AA-0452-C09A-E2D6-55780F94B13F}"/>
+              </a:ext>
+            </a:extLst>
+          </p:cNvPr>
+          <p:cNvSpPr/>
+          <p:nvPr/>
+        </p:nvSpPr>
+        <p:spPr>
+          <a:xfrm>
+            <a:off x="2920029" y="2066795"/>
+            <a:ext cx="448484" cy="448484"/>
+          </a:xfrm>
+          <a:prstGeom prst="ellipse">
+            <a:avLst/>
+          </a:prstGeom>
+          <a:solidFill>
+            <a:schemeClr val="accent4">
+              <a:lumMod val="20000"/>
+              <a:lumOff val="80000"/>
+            </a:schemeClr>
+          </a:solidFill>
+        </p:spPr>
+        <p:style>
+          <a:lnRef idx="2">
+            <a:schemeClr val="dk1"/>
+          </a:lnRef>
+          <a:fillRef idx="1">
+            <a:schemeClr val="lt1"/>
+          </a:fillRef>
+          <a:effectRef idx="0">
+            <a:schemeClr val="dk1"/>
+          </a:effectRef>
+          <a:fontRef idx="minor">
+            <a:schemeClr val="dk1"/>
+          </a:fontRef>
+        </p:style>
+        <p:txBody>
+          <a:bodyPr wrap="none" lIns="0" tIns="0" rIns="0" bIns="0" rtlCol="0" anchor="ctr"/>
+          <a:lstStyle/>
+          <a:p>
+            <a:pPr algn="ctr"/>
+            <a:r>
+              <a:rPr lang="en-BE" dirty="0"/>
+              <a:t>1</a:t>
+            </a:r>
+          </a:p>
+        </p:txBody>
+      </p:sp>
+      <p:sp>
+        <p:nvSpPr>
+          <p:cNvPr id="7" name="Oval 6">
+            <a:extLst>
+              <a:ext uri="{FF2B5EF4-FFF2-40B4-BE49-F238E27FC236}">
+                <a16:creationId xmlns:a16="http://schemas.microsoft.com/office/drawing/2014/main" id="{AB47B968-4327-8AF1-E50C-AA90F5DEE7A7}"/>
+              </a:ext>
+            </a:extLst>
+          </p:cNvPr>
+          <p:cNvSpPr/>
+          <p:nvPr/>
+        </p:nvSpPr>
+        <p:spPr>
+          <a:xfrm>
+            <a:off x="3590904" y="2066795"/>
+            <a:ext cx="448484" cy="448484"/>
+          </a:xfrm>
+          <a:prstGeom prst="ellipse">
+            <a:avLst/>
+          </a:prstGeom>
+          <a:solidFill>
+            <a:schemeClr val="accent2">
+              <a:lumMod val="20000"/>
+              <a:lumOff val="80000"/>
+            </a:schemeClr>
+          </a:solidFill>
+        </p:spPr>
+        <p:style>
+          <a:lnRef idx="2">
+            <a:schemeClr val="dk1"/>
+          </a:lnRef>
+          <a:fillRef idx="1">
+            <a:schemeClr val="lt1"/>
+          </a:fillRef>
+          <a:effectRef idx="0">
+            <a:schemeClr val="dk1"/>
+          </a:effectRef>
+          <a:fontRef idx="minor">
+            <a:schemeClr val="dk1"/>
+          </a:fontRef>
+        </p:style>
+        <p:txBody>
+          <a:bodyPr wrap="none" lIns="0" tIns="0" rIns="0" bIns="0" rtlCol="0" anchor="ctr"/>
+          <a:lstStyle/>
+          <a:p>
+            <a:pPr algn="ctr"/>
+            <a:r>
+              <a:rPr lang="en-BE" dirty="0"/>
+              <a:t>2</a:t>
+            </a:r>
+          </a:p>
+        </p:txBody>
+      </p:sp>
+      <p:sp>
+        <p:nvSpPr>
+          <p:cNvPr id="8" name="Oval 7">
+            <a:extLst>
+              <a:ext uri="{FF2B5EF4-FFF2-40B4-BE49-F238E27FC236}">
+                <a16:creationId xmlns:a16="http://schemas.microsoft.com/office/drawing/2014/main" id="{8974DFF8-BF32-CC94-5424-33FA7A80A548}"/>
+              </a:ext>
+            </a:extLst>
+          </p:cNvPr>
+          <p:cNvSpPr/>
+          <p:nvPr/>
+        </p:nvSpPr>
+        <p:spPr>
+          <a:xfrm>
+            <a:off x="4261779" y="2066795"/>
+            <a:ext cx="448484" cy="448484"/>
+          </a:xfrm>
+          <a:prstGeom prst="ellipse">
+            <a:avLst/>
+          </a:prstGeom>
+          <a:solidFill>
+            <a:schemeClr val="accent5">
+              <a:lumMod val="20000"/>
+              <a:lumOff val="80000"/>
+            </a:schemeClr>
+          </a:solidFill>
+        </p:spPr>
+        <p:style>
+          <a:lnRef idx="2">
+            <a:schemeClr val="dk1"/>
+          </a:lnRef>
+          <a:fillRef idx="1">
+            <a:schemeClr val="lt1"/>
+          </a:fillRef>
+          <a:effectRef idx="0">
+            <a:schemeClr val="dk1"/>
+          </a:effectRef>
+          <a:fontRef idx="minor">
+            <a:schemeClr val="dk1"/>
+          </a:fontRef>
+        </p:style>
+        <p:txBody>
+          <a:bodyPr wrap="none" lIns="0" tIns="0" rIns="0" bIns="0" rtlCol="0" anchor="ctr"/>
+          <a:lstStyle/>
+          <a:p>
+            <a:pPr algn="ctr"/>
+            <a:r>
+              <a:rPr lang="en-BE" dirty="0"/>
+              <a:t>3</a:t>
+            </a:r>
+          </a:p>
+        </p:txBody>
+      </p:sp>
+      <p:sp>
+        <p:nvSpPr>
+          <p:cNvPr id="9" name="Oval 8">
+            <a:extLst>
+              <a:ext uri="{FF2B5EF4-FFF2-40B4-BE49-F238E27FC236}">
+                <a16:creationId xmlns:a16="http://schemas.microsoft.com/office/drawing/2014/main" id="{84BA4467-F165-3288-3B94-5A12E674CF84}"/>
+              </a:ext>
+            </a:extLst>
+          </p:cNvPr>
+          <p:cNvSpPr/>
+          <p:nvPr/>
+        </p:nvSpPr>
+        <p:spPr>
+          <a:xfrm>
+            <a:off x="4932654" y="2066795"/>
+            <a:ext cx="448484" cy="448484"/>
+          </a:xfrm>
+          <a:prstGeom prst="ellipse">
+            <a:avLst/>
+          </a:prstGeom>
+          <a:solidFill>
+            <a:schemeClr val="accent6">
+              <a:lumMod val="20000"/>
+              <a:lumOff val="80000"/>
+            </a:schemeClr>
+          </a:solidFill>
+        </p:spPr>
+        <p:style>
+          <a:lnRef idx="2">
+            <a:schemeClr val="dk1"/>
+          </a:lnRef>
+          <a:fillRef idx="1">
+            <a:schemeClr val="lt1"/>
+          </a:fillRef>
+          <a:effectRef idx="0">
+            <a:schemeClr val="dk1"/>
+          </a:effectRef>
+          <a:fontRef idx="minor">
+            <a:schemeClr val="dk1"/>
+          </a:fontRef>
+        </p:style>
+        <p:txBody>
+          <a:bodyPr wrap="none" lIns="0" tIns="0" rIns="0" bIns="0" rtlCol="0" anchor="ctr"/>
+          <a:lstStyle/>
+          <a:p>
+            <a:pPr algn="ctr"/>
+            <a:r>
+              <a:rPr lang="en-BE" dirty="0"/>
+              <a:t>5</a:t>
+            </a:r>
+          </a:p>
+        </p:txBody>
+      </p:sp>
+      <p:sp>
+        <p:nvSpPr>
+          <p:cNvPr id="11" name="Oval 10">
+            <a:extLst>
+              <a:ext uri="{FF2B5EF4-FFF2-40B4-BE49-F238E27FC236}">
+                <a16:creationId xmlns:a16="http://schemas.microsoft.com/office/drawing/2014/main" id="{660FFAD5-2CBE-C581-1812-ECF4EDE402AF}"/>
+              </a:ext>
+            </a:extLst>
+          </p:cNvPr>
+          <p:cNvSpPr/>
+          <p:nvPr/>
+        </p:nvSpPr>
+        <p:spPr>
+          <a:xfrm>
+            <a:off x="5603529" y="2066795"/>
+            <a:ext cx="448484" cy="448484"/>
+          </a:xfrm>
+          <a:prstGeom prst="ellipse">
+            <a:avLst/>
+          </a:prstGeom>
+          <a:solidFill>
+            <a:schemeClr val="accent4">
+              <a:lumMod val="20000"/>
+              <a:lumOff val="80000"/>
+            </a:schemeClr>
+          </a:solidFill>
+        </p:spPr>
+        <p:style>
+          <a:lnRef idx="2">
+            <a:schemeClr val="dk1"/>
+          </a:lnRef>
+          <a:fillRef idx="1">
+            <a:schemeClr val="lt1"/>
+          </a:fillRef>
+          <a:effectRef idx="0">
+            <a:schemeClr val="dk1"/>
+          </a:effectRef>
+          <a:fontRef idx="minor">
+            <a:schemeClr val="dk1"/>
+          </a:fontRef>
+        </p:style>
+        <p:txBody>
+          <a:bodyPr wrap="none" lIns="0" tIns="0" rIns="0" bIns="0" rtlCol="0" anchor="ctr"/>
+          <a:lstStyle/>
+          <a:p>
+            <a:pPr algn="ctr"/>
+            <a:r>
+              <a:rPr lang="en-BE" dirty="0"/>
+              <a:t>8</a:t>
+            </a:r>
+          </a:p>
+        </p:txBody>
+      </p:sp>
+      <p:sp>
+        <p:nvSpPr>
+          <p:cNvPr id="12" name="Oval 11">
+            <a:extLst>
+              <a:ext uri="{FF2B5EF4-FFF2-40B4-BE49-F238E27FC236}">
+                <a16:creationId xmlns:a16="http://schemas.microsoft.com/office/drawing/2014/main" id="{87472677-04D7-AA3D-2539-7EADDEB173E0}"/>
+              </a:ext>
+            </a:extLst>
+          </p:cNvPr>
+          <p:cNvSpPr/>
+          <p:nvPr/>
+        </p:nvSpPr>
+        <p:spPr>
+          <a:xfrm>
+            <a:off x="6274404" y="2066795"/>
+            <a:ext cx="448484" cy="448484"/>
+          </a:xfrm>
+          <a:prstGeom prst="ellipse">
+            <a:avLst/>
+          </a:prstGeom>
+          <a:solidFill>
+            <a:schemeClr val="accent2">
+              <a:lumMod val="20000"/>
+              <a:lumOff val="80000"/>
+            </a:schemeClr>
+          </a:solidFill>
+        </p:spPr>
+        <p:style>
+          <a:lnRef idx="2">
+            <a:schemeClr val="dk1"/>
+          </a:lnRef>
+          <a:fillRef idx="1">
+            <a:schemeClr val="lt1"/>
+          </a:fillRef>
+          <a:effectRef idx="0">
+            <a:schemeClr val="dk1"/>
+          </a:effectRef>
+          <a:fontRef idx="minor">
+            <a:schemeClr val="dk1"/>
+          </a:fontRef>
+        </p:style>
+        <p:txBody>
+          <a:bodyPr wrap="none" lIns="0" tIns="0" rIns="0" bIns="0" rtlCol="0" anchor="ctr"/>
+          <a:lstStyle/>
+          <a:p>
+            <a:pPr algn="ctr"/>
+            <a:r>
+              <a:rPr lang="en-BE" dirty="0"/>
+              <a:t>13</a:t>
+            </a:r>
+          </a:p>
+        </p:txBody>
+      </p:sp>
+      <p:sp>
+        <p:nvSpPr>
+          <p:cNvPr id="13" name="Oval 12">
+            <a:extLst>
+              <a:ext uri="{FF2B5EF4-FFF2-40B4-BE49-F238E27FC236}">
+                <a16:creationId xmlns:a16="http://schemas.microsoft.com/office/drawing/2014/main" id="{FE9DFDDA-4B73-F727-FBF5-A0F2592072D3}"/>
+              </a:ext>
+            </a:extLst>
+          </p:cNvPr>
+          <p:cNvSpPr/>
+          <p:nvPr/>
+        </p:nvSpPr>
+        <p:spPr>
+          <a:xfrm>
+            <a:off x="6945279" y="2066795"/>
+            <a:ext cx="448484" cy="448484"/>
+          </a:xfrm>
+          <a:prstGeom prst="ellipse">
+            <a:avLst/>
+          </a:prstGeom>
+          <a:solidFill>
+            <a:schemeClr val="accent5">
+              <a:lumMod val="20000"/>
+              <a:lumOff val="80000"/>
+            </a:schemeClr>
+          </a:solidFill>
+        </p:spPr>
+        <p:style>
+          <a:lnRef idx="2">
+            <a:schemeClr val="dk1"/>
+          </a:lnRef>
+          <a:fillRef idx="1">
+            <a:schemeClr val="lt1"/>
+          </a:fillRef>
+          <a:effectRef idx="0">
+            <a:schemeClr val="dk1"/>
+          </a:effectRef>
+          <a:fontRef idx="minor">
+            <a:schemeClr val="dk1"/>
+          </a:fontRef>
+        </p:style>
+        <p:txBody>
+          <a:bodyPr wrap="none" lIns="0" tIns="0" rIns="0" bIns="0" rtlCol="0" anchor="ctr"/>
+          <a:lstStyle/>
+          <a:p>
+            <a:pPr algn="ctr"/>
+            <a:r>
+              <a:rPr lang="en-BE" dirty="0"/>
+              <a:t>21</a:t>
+            </a:r>
+          </a:p>
+        </p:txBody>
+      </p:sp>
+      <p:cxnSp>
+        <p:nvCxnSpPr>
+          <p:cNvPr id="15" name="Curved Connector 14">
+            <a:extLst>
+              <a:ext uri="{FF2B5EF4-FFF2-40B4-BE49-F238E27FC236}">
+                <a16:creationId xmlns:a16="http://schemas.microsoft.com/office/drawing/2014/main" id="{35415F4E-E976-5ECD-E7E9-0F8AF5AE8C69}"/>
+              </a:ext>
+            </a:extLst>
+          </p:cNvPr>
+          <p:cNvCxnSpPr>
+            <a:cxnSpLocks/>
+          </p:cNvCxnSpPr>
+          <p:nvPr/>
+        </p:nvCxnSpPr>
+        <p:spPr>
+          <a:xfrm rot="16200000" flipV="1">
+            <a:off x="2770628" y="1731357"/>
+            <a:ext cx="12700" cy="670875"/>
+          </a:xfrm>
+          <a:prstGeom prst="curvedConnector3">
+            <a:avLst>
+              <a:gd name="adj1" fmla="val 1800000"/>
+            </a:avLst>
+          </a:prstGeom>
+          <a:ln w="38100">
+            <a:solidFill>
+              <a:schemeClr val="accent4"/>
+            </a:solidFill>
+            <a:tailEnd type="triangle"/>
+          </a:ln>
+        </p:spPr>
+        <p:style>
+          <a:lnRef idx="2">
+            <a:schemeClr val="accent1"/>
+          </a:lnRef>
+          <a:fillRef idx="0">
+            <a:schemeClr val="accent1"/>
+          </a:fillRef>
+          <a:effectRef idx="1">
+            <a:schemeClr val="accent1"/>
+          </a:effectRef>
+          <a:fontRef idx="minor">
+            <a:schemeClr val="tx1"/>
+          </a:fontRef>
+        </p:style>
+      </p:cxnSp>
+      <p:cxnSp>
+        <p:nvCxnSpPr>
+          <p:cNvPr id="16" name="Curved Connector 15">
+            <a:extLst>
+              <a:ext uri="{FF2B5EF4-FFF2-40B4-BE49-F238E27FC236}">
+                <a16:creationId xmlns:a16="http://schemas.microsoft.com/office/drawing/2014/main" id="{5A54CC0C-CFC1-DAC9-7377-161B4E1457B3}"/>
+              </a:ext>
+            </a:extLst>
+          </p:cNvPr>
+          <p:cNvCxnSpPr>
+            <a:cxnSpLocks/>
+          </p:cNvCxnSpPr>
+          <p:nvPr/>
+        </p:nvCxnSpPr>
+        <p:spPr>
+          <a:xfrm rot="16200000" flipV="1">
+            <a:off x="2435190" y="1395920"/>
+            <a:ext cx="12700" cy="1341750"/>
+          </a:xfrm>
+          <a:prstGeom prst="curvedConnector3">
+            <a:avLst>
+              <a:gd name="adj1" fmla="val 3210307"/>
+            </a:avLst>
+          </a:prstGeom>
+          <a:ln w="38100">
+            <a:solidFill>
+              <a:schemeClr val="accent4"/>
+            </a:solidFill>
+            <a:tailEnd type="triangle"/>
+          </a:ln>
+        </p:spPr>
+        <p:style>
+          <a:lnRef idx="2">
+            <a:schemeClr val="accent1"/>
+          </a:lnRef>
+          <a:fillRef idx="0">
+            <a:schemeClr val="accent1"/>
+          </a:fillRef>
+          <a:effectRef idx="1">
+            <a:schemeClr val="accent1"/>
+          </a:effectRef>
+          <a:fontRef idx="minor">
+            <a:schemeClr val="tx1"/>
+          </a:fontRef>
+        </p:style>
+      </p:cxnSp>
+      <p:cxnSp>
+        <p:nvCxnSpPr>
+          <p:cNvPr id="20" name="Curved Connector 19">
+            <a:extLst>
+              <a:ext uri="{FF2B5EF4-FFF2-40B4-BE49-F238E27FC236}">
+                <a16:creationId xmlns:a16="http://schemas.microsoft.com/office/drawing/2014/main" id="{4894A269-DEA1-96E2-83ED-0D8B7A04F0EC}"/>
+              </a:ext>
+            </a:extLst>
+          </p:cNvPr>
+          <p:cNvCxnSpPr>
+            <a:cxnSpLocks/>
+          </p:cNvCxnSpPr>
+          <p:nvPr/>
+        </p:nvCxnSpPr>
+        <p:spPr>
+          <a:xfrm rot="5400000">
+            <a:off x="3441503" y="2179842"/>
+            <a:ext cx="12700" cy="670875"/>
+          </a:xfrm>
+          <a:prstGeom prst="curvedConnector3">
+            <a:avLst>
+              <a:gd name="adj1" fmla="val 1800000"/>
+            </a:avLst>
+          </a:prstGeom>
+          <a:ln w="38100">
+            <a:solidFill>
+              <a:schemeClr val="accent2"/>
+            </a:solidFill>
+            <a:tailEnd type="triangle"/>
+          </a:ln>
+        </p:spPr>
+        <p:style>
+          <a:lnRef idx="2">
+            <a:schemeClr val="accent1"/>
+          </a:lnRef>
+          <a:fillRef idx="0">
+            <a:schemeClr val="accent1"/>
+          </a:fillRef>
+          <a:effectRef idx="1">
+            <a:schemeClr val="accent1"/>
+          </a:effectRef>
+          <a:fontRef idx="minor">
+            <a:schemeClr val="tx1"/>
+          </a:fontRef>
+        </p:style>
+      </p:cxnSp>
+      <p:cxnSp>
+        <p:nvCxnSpPr>
+          <p:cNvPr id="23" name="Curved Connector 22">
+            <a:extLst>
+              <a:ext uri="{FF2B5EF4-FFF2-40B4-BE49-F238E27FC236}">
+                <a16:creationId xmlns:a16="http://schemas.microsoft.com/office/drawing/2014/main" id="{E6472904-0D8E-0BDE-1A03-26D79BF07190}"/>
+              </a:ext>
+            </a:extLst>
+          </p:cNvPr>
+          <p:cNvCxnSpPr>
+            <a:cxnSpLocks/>
+          </p:cNvCxnSpPr>
+          <p:nvPr/>
+        </p:nvCxnSpPr>
+        <p:spPr>
+          <a:xfrm rot="5400000">
+            <a:off x="3106065" y="1844404"/>
+            <a:ext cx="12700" cy="1341750"/>
+          </a:xfrm>
+          <a:prstGeom prst="curvedConnector3">
+            <a:avLst>
+              <a:gd name="adj1" fmla="val 3210307"/>
+            </a:avLst>
+          </a:prstGeom>
+          <a:ln w="38100">
+            <a:solidFill>
+              <a:schemeClr val="accent2"/>
+            </a:solidFill>
+            <a:tailEnd type="triangle"/>
+          </a:ln>
+        </p:spPr>
+        <p:style>
+          <a:lnRef idx="2">
+            <a:schemeClr val="accent1"/>
+          </a:lnRef>
+          <a:fillRef idx="0">
+            <a:schemeClr val="accent1"/>
+          </a:fillRef>
+          <a:effectRef idx="1">
+            <a:schemeClr val="accent1"/>
+          </a:effectRef>
+          <a:fontRef idx="minor">
+            <a:schemeClr val="tx1"/>
+          </a:fontRef>
+        </p:style>
+      </p:cxnSp>
+      <p:cxnSp>
+        <p:nvCxnSpPr>
+          <p:cNvPr id="27" name="Curved Connector 26">
+            <a:extLst>
+              <a:ext uri="{FF2B5EF4-FFF2-40B4-BE49-F238E27FC236}">
+                <a16:creationId xmlns:a16="http://schemas.microsoft.com/office/drawing/2014/main" id="{E1B65316-C7E8-8888-8882-7627F866C185}"/>
+              </a:ext>
+            </a:extLst>
+          </p:cNvPr>
+          <p:cNvCxnSpPr/>
+          <p:nvPr/>
+        </p:nvCxnSpPr>
+        <p:spPr>
+          <a:xfrm rot="16200000" flipV="1">
+            <a:off x="4150584" y="1750408"/>
+            <a:ext cx="12700" cy="670875"/>
+          </a:xfrm>
+          <a:prstGeom prst="curvedConnector3">
+            <a:avLst>
+              <a:gd name="adj1" fmla="val 1800000"/>
+            </a:avLst>
+          </a:prstGeom>
+          <a:ln w="38100">
+            <a:solidFill>
+              <a:schemeClr val="accent5"/>
+            </a:solidFill>
+            <a:tailEnd type="triangle"/>
+          </a:ln>
+        </p:spPr>
+        <p:style>
+          <a:lnRef idx="2">
+            <a:schemeClr val="accent1"/>
+          </a:lnRef>
+          <a:fillRef idx="0">
+            <a:schemeClr val="accent1"/>
+          </a:fillRef>
+          <a:effectRef idx="1">
+            <a:schemeClr val="accent1"/>
+          </a:effectRef>
+          <a:fontRef idx="minor">
+            <a:schemeClr val="tx1"/>
+          </a:fontRef>
+        </p:style>
+      </p:cxnSp>
+      <p:cxnSp>
+        <p:nvCxnSpPr>
+          <p:cNvPr id="28" name="Curved Connector 27">
+            <a:extLst>
+              <a:ext uri="{FF2B5EF4-FFF2-40B4-BE49-F238E27FC236}">
+                <a16:creationId xmlns:a16="http://schemas.microsoft.com/office/drawing/2014/main" id="{B998D1C6-346F-E2D0-9A0C-9BB1B60DA907}"/>
+              </a:ext>
+            </a:extLst>
+          </p:cNvPr>
+          <p:cNvCxnSpPr>
+            <a:cxnSpLocks/>
+          </p:cNvCxnSpPr>
+          <p:nvPr/>
+        </p:nvCxnSpPr>
+        <p:spPr>
+          <a:xfrm rot="16200000" flipV="1">
+            <a:off x="3815146" y="1414971"/>
+            <a:ext cx="12700" cy="1341750"/>
+          </a:xfrm>
+          <a:prstGeom prst="curvedConnector3">
+            <a:avLst>
+              <a:gd name="adj1" fmla="val 3210307"/>
+            </a:avLst>
+          </a:prstGeom>
+          <a:ln w="38100">
+            <a:solidFill>
+              <a:schemeClr val="accent5"/>
+            </a:solidFill>
+            <a:tailEnd type="triangle"/>
+          </a:ln>
+        </p:spPr>
+        <p:style>
+          <a:lnRef idx="2">
+            <a:schemeClr val="accent1"/>
+          </a:lnRef>
+          <a:fillRef idx="0">
+            <a:schemeClr val="accent1"/>
+          </a:fillRef>
+          <a:effectRef idx="1">
+            <a:schemeClr val="accent1"/>
+          </a:effectRef>
+          <a:fontRef idx="minor">
+            <a:schemeClr val="tx1"/>
+          </a:fontRef>
+        </p:style>
+      </p:cxnSp>
+      <p:cxnSp>
+        <p:nvCxnSpPr>
+          <p:cNvPr id="29" name="Curved Connector 28">
+            <a:extLst>
+              <a:ext uri="{FF2B5EF4-FFF2-40B4-BE49-F238E27FC236}">
+                <a16:creationId xmlns:a16="http://schemas.microsoft.com/office/drawing/2014/main" id="{21E356CA-A815-3734-ECD7-9F88911B8D7F}"/>
+              </a:ext>
+            </a:extLst>
+          </p:cNvPr>
+          <p:cNvCxnSpPr>
+            <a:cxnSpLocks/>
+          </p:cNvCxnSpPr>
+          <p:nvPr/>
+        </p:nvCxnSpPr>
+        <p:spPr>
+          <a:xfrm rot="5400000">
+            <a:off x="4821459" y="2179842"/>
+            <a:ext cx="12700" cy="670875"/>
+          </a:xfrm>
+          <a:prstGeom prst="curvedConnector3">
+            <a:avLst>
+              <a:gd name="adj1" fmla="val 1800000"/>
+            </a:avLst>
+          </a:prstGeom>
+          <a:ln w="38100">
+            <a:solidFill>
+              <a:schemeClr val="accent6"/>
+            </a:solidFill>
+            <a:tailEnd type="triangle"/>
+          </a:ln>
+        </p:spPr>
+        <p:style>
+          <a:lnRef idx="2">
+            <a:schemeClr val="accent1"/>
+          </a:lnRef>
+          <a:fillRef idx="0">
+            <a:schemeClr val="accent1"/>
+          </a:fillRef>
+          <a:effectRef idx="1">
+            <a:schemeClr val="accent1"/>
+          </a:effectRef>
+          <a:fontRef idx="minor">
+            <a:schemeClr val="tx1"/>
+          </a:fontRef>
+        </p:style>
+      </p:cxnSp>
+      <p:cxnSp>
+        <p:nvCxnSpPr>
+          <p:cNvPr id="30" name="Curved Connector 29">
+            <a:extLst>
+              <a:ext uri="{FF2B5EF4-FFF2-40B4-BE49-F238E27FC236}">
+                <a16:creationId xmlns:a16="http://schemas.microsoft.com/office/drawing/2014/main" id="{44D70C8F-EF6D-9C1F-FC09-2B62258D39C1}"/>
+              </a:ext>
+            </a:extLst>
+          </p:cNvPr>
+          <p:cNvCxnSpPr>
+            <a:cxnSpLocks/>
+          </p:cNvCxnSpPr>
+          <p:nvPr/>
+        </p:nvCxnSpPr>
+        <p:spPr>
+          <a:xfrm rot="5400000">
+            <a:off x="4486021" y="1844404"/>
+            <a:ext cx="12700" cy="1341750"/>
+          </a:xfrm>
+          <a:prstGeom prst="curvedConnector3">
+            <a:avLst>
+              <a:gd name="adj1" fmla="val 3210307"/>
+            </a:avLst>
+          </a:prstGeom>
+          <a:ln w="38100">
+            <a:solidFill>
+              <a:schemeClr val="accent6"/>
+            </a:solidFill>
+            <a:tailEnd type="triangle"/>
+          </a:ln>
+        </p:spPr>
+        <p:style>
+          <a:lnRef idx="2">
+            <a:schemeClr val="accent1"/>
+          </a:lnRef>
+          <a:fillRef idx="0">
+            <a:schemeClr val="accent1"/>
+          </a:fillRef>
+          <a:effectRef idx="1">
+            <a:schemeClr val="accent1"/>
+          </a:effectRef>
+          <a:fontRef idx="minor">
+            <a:schemeClr val="tx1"/>
+          </a:fontRef>
+        </p:style>
+      </p:cxnSp>
+      <p:cxnSp>
+        <p:nvCxnSpPr>
+          <p:cNvPr id="31" name="Curved Connector 30">
+            <a:extLst>
+              <a:ext uri="{FF2B5EF4-FFF2-40B4-BE49-F238E27FC236}">
+                <a16:creationId xmlns:a16="http://schemas.microsoft.com/office/drawing/2014/main" id="{4266F630-A4F6-11CC-7D27-30D36D04FCFD}"/>
+              </a:ext>
+            </a:extLst>
+          </p:cNvPr>
+          <p:cNvCxnSpPr>
+            <a:cxnSpLocks/>
+          </p:cNvCxnSpPr>
+          <p:nvPr/>
+        </p:nvCxnSpPr>
+        <p:spPr>
+          <a:xfrm rot="5400000">
+            <a:off x="6201416" y="2173491"/>
+            <a:ext cx="12700" cy="670875"/>
+          </a:xfrm>
+          <a:prstGeom prst="curvedConnector3">
+            <a:avLst>
+              <a:gd name="adj1" fmla="val 1800000"/>
+            </a:avLst>
+          </a:prstGeom>
+          <a:ln w="38100">
+            <a:solidFill>
+              <a:schemeClr val="accent2"/>
+            </a:solidFill>
+            <a:tailEnd type="triangle"/>
+          </a:ln>
+        </p:spPr>
+        <p:style>
+          <a:lnRef idx="2">
+            <a:schemeClr val="accent1"/>
+          </a:lnRef>
+          <a:fillRef idx="0">
+            <a:schemeClr val="accent1"/>
+          </a:fillRef>
+          <a:effectRef idx="1">
+            <a:schemeClr val="accent1"/>
+          </a:effectRef>
+          <a:fontRef idx="minor">
+            <a:schemeClr val="tx1"/>
+          </a:fontRef>
+        </p:style>
+      </p:cxnSp>
+      <p:cxnSp>
+        <p:nvCxnSpPr>
+          <p:cNvPr id="32" name="Curved Connector 31">
+            <a:extLst>
+              <a:ext uri="{FF2B5EF4-FFF2-40B4-BE49-F238E27FC236}">
+                <a16:creationId xmlns:a16="http://schemas.microsoft.com/office/drawing/2014/main" id="{08D89AB1-7BBD-8E67-D2B0-A20DF885495C}"/>
+              </a:ext>
+            </a:extLst>
+          </p:cNvPr>
+          <p:cNvCxnSpPr>
+            <a:cxnSpLocks/>
+          </p:cNvCxnSpPr>
+          <p:nvPr/>
+        </p:nvCxnSpPr>
+        <p:spPr>
+          <a:xfrm rot="5400000">
+            <a:off x="5865978" y="1838053"/>
+            <a:ext cx="12700" cy="1341750"/>
+          </a:xfrm>
+          <a:prstGeom prst="curvedConnector3">
+            <a:avLst>
+              <a:gd name="adj1" fmla="val 3210307"/>
+            </a:avLst>
+          </a:prstGeom>
+          <a:ln w="38100">
+            <a:solidFill>
+              <a:schemeClr val="accent2"/>
+            </a:solidFill>
+            <a:tailEnd type="triangle"/>
+          </a:ln>
+        </p:spPr>
+        <p:style>
+          <a:lnRef idx="2">
+            <a:schemeClr val="accent1"/>
+          </a:lnRef>
+          <a:fillRef idx="0">
+            <a:schemeClr val="accent1"/>
+          </a:fillRef>
+          <a:effectRef idx="1">
+            <a:schemeClr val="accent1"/>
+          </a:effectRef>
+          <a:fontRef idx="minor">
+            <a:schemeClr val="tx1"/>
+          </a:fontRef>
+        </p:style>
+      </p:cxnSp>
+      <p:cxnSp>
+        <p:nvCxnSpPr>
+          <p:cNvPr id="33" name="Curved Connector 32">
+            <a:extLst>
+              <a:ext uri="{FF2B5EF4-FFF2-40B4-BE49-F238E27FC236}">
+                <a16:creationId xmlns:a16="http://schemas.microsoft.com/office/drawing/2014/main" id="{C07DCAF3-6BF2-32D9-8AD9-02D7DC49B452}"/>
+              </a:ext>
+            </a:extLst>
+          </p:cNvPr>
+          <p:cNvCxnSpPr/>
+          <p:nvPr/>
+        </p:nvCxnSpPr>
+        <p:spPr>
+          <a:xfrm rot="16200000" flipV="1">
+            <a:off x="5530541" y="1763108"/>
+            <a:ext cx="12700" cy="670875"/>
+          </a:xfrm>
+          <a:prstGeom prst="curvedConnector3">
+            <a:avLst>
+              <a:gd name="adj1" fmla="val 1800000"/>
+            </a:avLst>
+          </a:prstGeom>
+          <a:ln w="38100">
+            <a:solidFill>
+              <a:schemeClr val="accent4"/>
+            </a:solidFill>
+            <a:tailEnd type="triangle"/>
+          </a:ln>
+        </p:spPr>
+        <p:style>
+          <a:lnRef idx="2">
+            <a:schemeClr val="accent1"/>
+          </a:lnRef>
+          <a:fillRef idx="0">
+            <a:schemeClr val="accent1"/>
+          </a:fillRef>
+          <a:effectRef idx="1">
+            <a:schemeClr val="accent1"/>
+          </a:effectRef>
+          <a:fontRef idx="minor">
+            <a:schemeClr val="tx1"/>
+          </a:fontRef>
+        </p:style>
+      </p:cxnSp>
+      <p:cxnSp>
+        <p:nvCxnSpPr>
+          <p:cNvPr id="34" name="Curved Connector 33">
+            <a:extLst>
+              <a:ext uri="{FF2B5EF4-FFF2-40B4-BE49-F238E27FC236}">
+                <a16:creationId xmlns:a16="http://schemas.microsoft.com/office/drawing/2014/main" id="{5B553C80-AB17-1423-CA59-A65D3ABE5C32}"/>
+              </a:ext>
+            </a:extLst>
+          </p:cNvPr>
+          <p:cNvCxnSpPr>
+            <a:cxnSpLocks/>
+          </p:cNvCxnSpPr>
+          <p:nvPr/>
+        </p:nvCxnSpPr>
+        <p:spPr>
+          <a:xfrm rot="16200000" flipV="1">
+            <a:off x="5195103" y="1427671"/>
+            <a:ext cx="12700" cy="1341750"/>
+          </a:xfrm>
+          <a:prstGeom prst="curvedConnector3">
+            <a:avLst>
+              <a:gd name="adj1" fmla="val 3210307"/>
+            </a:avLst>
+          </a:prstGeom>
+          <a:ln w="38100">
+            <a:solidFill>
+              <a:schemeClr val="accent4"/>
+            </a:solidFill>
+            <a:tailEnd type="triangle"/>
+          </a:ln>
+        </p:spPr>
+        <p:style>
+          <a:lnRef idx="2">
+            <a:schemeClr val="accent1"/>
+          </a:lnRef>
+          <a:fillRef idx="0">
+            <a:schemeClr val="accent1"/>
+          </a:fillRef>
+          <a:effectRef idx="1">
+            <a:schemeClr val="accent1"/>
+          </a:effectRef>
+          <a:fontRef idx="minor">
+            <a:schemeClr val="tx1"/>
+          </a:fontRef>
+        </p:style>
+      </p:cxnSp>
+      <p:cxnSp>
+        <p:nvCxnSpPr>
+          <p:cNvPr id="35" name="Curved Connector 34">
+            <a:extLst>
+              <a:ext uri="{FF2B5EF4-FFF2-40B4-BE49-F238E27FC236}">
+                <a16:creationId xmlns:a16="http://schemas.microsoft.com/office/drawing/2014/main" id="{510E73B8-BFD3-A41C-8023-D814718420AD}"/>
+              </a:ext>
+            </a:extLst>
+          </p:cNvPr>
+          <p:cNvCxnSpPr/>
+          <p:nvPr/>
+        </p:nvCxnSpPr>
+        <p:spPr>
+          <a:xfrm rot="16200000" flipV="1">
+            <a:off x="6927988" y="1763107"/>
+            <a:ext cx="12700" cy="670875"/>
+          </a:xfrm>
+          <a:prstGeom prst="curvedConnector3">
+            <a:avLst>
+              <a:gd name="adj1" fmla="val 1800000"/>
+            </a:avLst>
+          </a:prstGeom>
+          <a:ln w="38100">
+            <a:solidFill>
+              <a:schemeClr val="accent5"/>
+            </a:solidFill>
+            <a:tailEnd type="triangle"/>
+          </a:ln>
+        </p:spPr>
+        <p:style>
+          <a:lnRef idx="2">
+            <a:schemeClr val="accent1"/>
+          </a:lnRef>
+          <a:fillRef idx="0">
+            <a:schemeClr val="accent1"/>
+          </a:fillRef>
+          <a:effectRef idx="1">
+            <a:schemeClr val="accent1"/>
+          </a:effectRef>
+          <a:fontRef idx="minor">
+            <a:schemeClr val="tx1"/>
+          </a:fontRef>
+        </p:style>
+      </p:cxnSp>
+      <p:cxnSp>
+        <p:nvCxnSpPr>
+          <p:cNvPr id="36" name="Curved Connector 35">
+            <a:extLst>
+              <a:ext uri="{FF2B5EF4-FFF2-40B4-BE49-F238E27FC236}">
+                <a16:creationId xmlns:a16="http://schemas.microsoft.com/office/drawing/2014/main" id="{91262E87-5403-D44F-966E-708965FADAFE}"/>
+              </a:ext>
+            </a:extLst>
+          </p:cNvPr>
+          <p:cNvCxnSpPr>
+            <a:cxnSpLocks/>
+          </p:cNvCxnSpPr>
+          <p:nvPr/>
+        </p:nvCxnSpPr>
+        <p:spPr>
+          <a:xfrm rot="16200000" flipV="1">
+            <a:off x="6592550" y="1427670"/>
+            <a:ext cx="12700" cy="1341750"/>
+          </a:xfrm>
+          <a:prstGeom prst="curvedConnector3">
+            <a:avLst>
+              <a:gd name="adj1" fmla="val 3210307"/>
+            </a:avLst>
+          </a:prstGeom>
+          <a:ln w="38100">
+            <a:solidFill>
+              <a:schemeClr val="accent5"/>
+            </a:solidFill>
+            <a:tailEnd type="triangle"/>
+          </a:ln>
+        </p:spPr>
+        <p:style>
+          <a:lnRef idx="2">
+            <a:schemeClr val="accent1"/>
+          </a:lnRef>
+          <a:fillRef idx="0">
+            <a:schemeClr val="accent1"/>
+          </a:fillRef>
+          <a:effectRef idx="1">
+            <a:schemeClr val="accent1"/>
+          </a:effectRef>
+          <a:fontRef idx="minor">
+            <a:schemeClr val="tx1"/>
+          </a:fontRef>
+        </p:style>
+      </p:cxnSp>
+      <p:sp>
+        <p:nvSpPr>
+          <p:cNvPr id="2" name="Oval 1">
+            <a:extLst>
+              <a:ext uri="{FF2B5EF4-FFF2-40B4-BE49-F238E27FC236}">
+                <a16:creationId xmlns:a16="http://schemas.microsoft.com/office/drawing/2014/main" id="{880C5A43-6347-6A95-FD89-F8D6D9E1BEFD}"/>
+              </a:ext>
+            </a:extLst>
+          </p:cNvPr>
+          <p:cNvSpPr/>
+          <p:nvPr/>
+        </p:nvSpPr>
+        <p:spPr>
+          <a:xfrm>
+            <a:off x="1561280" y="4528864"/>
+            <a:ext cx="448484" cy="448484"/>
+          </a:xfrm>
+          <a:prstGeom prst="ellipse">
+            <a:avLst/>
+          </a:prstGeom>
+        </p:spPr>
+        <p:style>
+          <a:lnRef idx="2">
+            <a:schemeClr val="dk1"/>
+          </a:lnRef>
+          <a:fillRef idx="1">
+            <a:schemeClr val="lt1"/>
+          </a:fillRef>
+          <a:effectRef idx="0">
+            <a:schemeClr val="dk1"/>
+          </a:effectRef>
+          <a:fontRef idx="minor">
+            <a:schemeClr val="dk1"/>
+          </a:fontRef>
+        </p:style>
+        <p:txBody>
+          <a:bodyPr wrap="none" lIns="0" tIns="0" rIns="0" bIns="0" rtlCol="0" anchor="ctr"/>
+          <a:lstStyle/>
+          <a:p>
+            <a:pPr algn="ctr"/>
+            <a:r>
+              <a:rPr lang="en-BE" dirty="0"/>
+              <a:t>0</a:t>
+            </a:r>
+          </a:p>
+        </p:txBody>
+      </p:sp>
+      <p:sp>
+        <p:nvSpPr>
+          <p:cNvPr id="3" name="Oval 2">
+            <a:extLst>
+              <a:ext uri="{FF2B5EF4-FFF2-40B4-BE49-F238E27FC236}">
+                <a16:creationId xmlns:a16="http://schemas.microsoft.com/office/drawing/2014/main" id="{6070D0A5-4AE0-8CD4-6207-361782A16359}"/>
+              </a:ext>
+            </a:extLst>
+          </p:cNvPr>
+          <p:cNvSpPr/>
+          <p:nvPr/>
+        </p:nvSpPr>
+        <p:spPr>
+          <a:xfrm>
+            <a:off x="2232155" y="4528864"/>
+            <a:ext cx="448484" cy="448484"/>
+          </a:xfrm>
+          <a:prstGeom prst="ellipse">
+            <a:avLst/>
+          </a:prstGeom>
+        </p:spPr>
+        <p:style>
+          <a:lnRef idx="2">
+            <a:schemeClr val="dk1"/>
+          </a:lnRef>
+          <a:fillRef idx="1">
+            <a:schemeClr val="lt1"/>
+          </a:fillRef>
+          <a:effectRef idx="0">
+            <a:schemeClr val="dk1"/>
+          </a:effectRef>
+          <a:fontRef idx="minor">
+            <a:schemeClr val="dk1"/>
+          </a:fontRef>
+        </p:style>
+        <p:txBody>
+          <a:bodyPr wrap="none" lIns="0" tIns="0" rIns="0" bIns="0" rtlCol="0" anchor="ctr"/>
+          <a:lstStyle/>
+          <a:p>
+            <a:pPr algn="ctr"/>
+            <a:r>
+              <a:rPr lang="en-BE" dirty="0"/>
+              <a:t>1</a:t>
+            </a:r>
+          </a:p>
+        </p:txBody>
+      </p:sp>
+      <p:sp>
+        <p:nvSpPr>
+          <p:cNvPr id="10" name="Oval 9">
+            <a:extLst>
+              <a:ext uri="{FF2B5EF4-FFF2-40B4-BE49-F238E27FC236}">
+                <a16:creationId xmlns:a16="http://schemas.microsoft.com/office/drawing/2014/main" id="{8B1E8186-BF4A-FBF9-A1FE-8E4ECCAF6A0C}"/>
+              </a:ext>
+            </a:extLst>
+          </p:cNvPr>
+          <p:cNvSpPr/>
+          <p:nvPr/>
+        </p:nvSpPr>
+        <p:spPr>
+          <a:xfrm>
+            <a:off x="2903030" y="4528864"/>
+            <a:ext cx="448484" cy="448484"/>
+          </a:xfrm>
+          <a:prstGeom prst="ellipse">
+            <a:avLst/>
+          </a:prstGeom>
+          <a:solidFill>
+            <a:schemeClr val="accent4">
+              <a:lumMod val="20000"/>
+              <a:lumOff val="80000"/>
+            </a:schemeClr>
+          </a:solidFill>
+        </p:spPr>
+        <p:style>
+          <a:lnRef idx="2">
+            <a:schemeClr val="dk1"/>
+          </a:lnRef>
+          <a:fillRef idx="1">
+            <a:schemeClr val="lt1"/>
+          </a:fillRef>
+          <a:effectRef idx="0">
+            <a:schemeClr val="dk1"/>
+          </a:effectRef>
+          <a:fontRef idx="minor">
+            <a:schemeClr val="dk1"/>
+          </a:fontRef>
+        </p:style>
+        <p:txBody>
+          <a:bodyPr wrap="none" lIns="0" tIns="0" rIns="0" bIns="0" rtlCol="0" anchor="ctr"/>
+          <a:lstStyle/>
+          <a:p>
+            <a:pPr algn="ctr"/>
+            <a:r>
+              <a:rPr lang="en-BE" dirty="0"/>
+              <a:t>1</a:t>
+            </a:r>
+          </a:p>
+        </p:txBody>
+      </p:sp>
+      <p:sp>
+        <p:nvSpPr>
+          <p:cNvPr id="14" name="Oval 13">
+            <a:extLst>
+              <a:ext uri="{FF2B5EF4-FFF2-40B4-BE49-F238E27FC236}">
+                <a16:creationId xmlns:a16="http://schemas.microsoft.com/office/drawing/2014/main" id="{923EC3BE-6607-62F8-4B3E-EDC3F7753700}"/>
+              </a:ext>
+            </a:extLst>
+          </p:cNvPr>
+          <p:cNvSpPr/>
+          <p:nvPr/>
+        </p:nvSpPr>
+        <p:spPr>
+          <a:xfrm>
+            <a:off x="3573905" y="4528864"/>
+            <a:ext cx="448484" cy="448484"/>
+          </a:xfrm>
+          <a:prstGeom prst="ellipse">
+            <a:avLst/>
+          </a:prstGeom>
+          <a:solidFill>
+            <a:schemeClr val="accent2">
+              <a:lumMod val="20000"/>
+              <a:lumOff val="80000"/>
+            </a:schemeClr>
+          </a:solidFill>
+        </p:spPr>
+        <p:style>
+          <a:lnRef idx="2">
+            <a:schemeClr val="dk1"/>
+          </a:lnRef>
+          <a:fillRef idx="1">
+            <a:schemeClr val="lt1"/>
+          </a:fillRef>
+          <a:effectRef idx="0">
+            <a:schemeClr val="dk1"/>
+          </a:effectRef>
+          <a:fontRef idx="minor">
+            <a:schemeClr val="dk1"/>
+          </a:fontRef>
+        </p:style>
+        <p:txBody>
+          <a:bodyPr wrap="none" lIns="0" tIns="0" rIns="0" bIns="0" rtlCol="0" anchor="ctr"/>
+          <a:lstStyle/>
+          <a:p>
+            <a:pPr algn="ctr"/>
+            <a:r>
+              <a:rPr lang="en-BE" dirty="0"/>
+              <a:t>2</a:t>
+            </a:r>
+          </a:p>
+        </p:txBody>
+      </p:sp>
+      <p:sp>
+        <p:nvSpPr>
+          <p:cNvPr id="17" name="Oval 16">
+            <a:extLst>
+              <a:ext uri="{FF2B5EF4-FFF2-40B4-BE49-F238E27FC236}">
+                <a16:creationId xmlns:a16="http://schemas.microsoft.com/office/drawing/2014/main" id="{5F21241E-204D-3BDD-B567-233F9EDFB8EB}"/>
+              </a:ext>
+            </a:extLst>
+          </p:cNvPr>
+          <p:cNvSpPr/>
+          <p:nvPr/>
+        </p:nvSpPr>
+        <p:spPr>
+          <a:xfrm>
+            <a:off x="4244780" y="4528864"/>
+            <a:ext cx="448484" cy="448484"/>
+          </a:xfrm>
+          <a:prstGeom prst="ellipse">
+            <a:avLst/>
+          </a:prstGeom>
+          <a:solidFill>
+            <a:schemeClr val="accent5">
+              <a:lumMod val="20000"/>
+              <a:lumOff val="80000"/>
+            </a:schemeClr>
+          </a:solidFill>
+        </p:spPr>
+        <p:style>
+          <a:lnRef idx="2">
+            <a:schemeClr val="dk1"/>
+          </a:lnRef>
+          <a:fillRef idx="1">
+            <a:schemeClr val="lt1"/>
+          </a:fillRef>
+          <a:effectRef idx="0">
+            <a:schemeClr val="dk1"/>
+          </a:effectRef>
+          <a:fontRef idx="minor">
+            <a:schemeClr val="dk1"/>
+          </a:fontRef>
+        </p:style>
+        <p:txBody>
+          <a:bodyPr wrap="none" lIns="0" tIns="0" rIns="0" bIns="0" rtlCol="0" anchor="ctr"/>
+          <a:lstStyle/>
+          <a:p>
+            <a:pPr algn="ctr"/>
+            <a:r>
+              <a:rPr lang="en-BE" dirty="0"/>
+              <a:t>3</a:t>
+            </a:r>
+          </a:p>
+        </p:txBody>
+      </p:sp>
+      <p:sp>
+        <p:nvSpPr>
+          <p:cNvPr id="18" name="Oval 17">
+            <a:extLst>
+              <a:ext uri="{FF2B5EF4-FFF2-40B4-BE49-F238E27FC236}">
+                <a16:creationId xmlns:a16="http://schemas.microsoft.com/office/drawing/2014/main" id="{11F7B4A6-61C9-4B04-B645-0C0168DF515A}"/>
+              </a:ext>
+            </a:extLst>
+          </p:cNvPr>
+          <p:cNvSpPr/>
+          <p:nvPr/>
+        </p:nvSpPr>
+        <p:spPr>
+          <a:xfrm>
+            <a:off x="4915655" y="4528864"/>
+            <a:ext cx="448484" cy="448484"/>
+          </a:xfrm>
+          <a:prstGeom prst="ellipse">
+            <a:avLst/>
+          </a:prstGeom>
+          <a:solidFill>
+            <a:schemeClr val="accent6">
+              <a:lumMod val="20000"/>
+              <a:lumOff val="80000"/>
+            </a:schemeClr>
+          </a:solidFill>
+        </p:spPr>
+        <p:style>
+          <a:lnRef idx="2">
+            <a:schemeClr val="dk1"/>
+          </a:lnRef>
+          <a:fillRef idx="1">
+            <a:schemeClr val="lt1"/>
+          </a:fillRef>
+          <a:effectRef idx="0">
+            <a:schemeClr val="dk1"/>
+          </a:effectRef>
+          <a:fontRef idx="minor">
+            <a:schemeClr val="dk1"/>
+          </a:fontRef>
+        </p:style>
+        <p:txBody>
+          <a:bodyPr wrap="none" lIns="0" tIns="0" rIns="0" bIns="0" rtlCol="0" anchor="ctr"/>
+          <a:lstStyle/>
+          <a:p>
+            <a:pPr algn="ctr"/>
+            <a:r>
+              <a:rPr lang="en-BE" dirty="0"/>
+              <a:t>5</a:t>
+            </a:r>
+          </a:p>
+        </p:txBody>
+      </p:sp>
+      <p:sp>
+        <p:nvSpPr>
+          <p:cNvPr id="19" name="Oval 18">
+            <a:extLst>
+              <a:ext uri="{FF2B5EF4-FFF2-40B4-BE49-F238E27FC236}">
+                <a16:creationId xmlns:a16="http://schemas.microsoft.com/office/drawing/2014/main" id="{97561168-4C8D-B933-2473-A118828DE0DA}"/>
+              </a:ext>
+            </a:extLst>
+          </p:cNvPr>
+          <p:cNvSpPr/>
+          <p:nvPr/>
+        </p:nvSpPr>
+        <p:spPr>
+          <a:xfrm>
+            <a:off x="5586530" y="4528864"/>
+            <a:ext cx="448484" cy="448484"/>
+          </a:xfrm>
+          <a:prstGeom prst="ellipse">
+            <a:avLst/>
+          </a:prstGeom>
+          <a:solidFill>
+            <a:schemeClr val="accent4">
+              <a:lumMod val="20000"/>
+              <a:lumOff val="80000"/>
+            </a:schemeClr>
+          </a:solidFill>
+        </p:spPr>
+        <p:style>
+          <a:lnRef idx="2">
+            <a:schemeClr val="dk1"/>
+          </a:lnRef>
+          <a:fillRef idx="1">
+            <a:schemeClr val="lt1"/>
+          </a:fillRef>
+          <a:effectRef idx="0">
+            <a:schemeClr val="dk1"/>
+          </a:effectRef>
+          <a:fontRef idx="minor">
+            <a:schemeClr val="dk1"/>
+          </a:fontRef>
+        </p:style>
+        <p:txBody>
+          <a:bodyPr wrap="none" lIns="0" tIns="0" rIns="0" bIns="0" rtlCol="0" anchor="ctr"/>
+          <a:lstStyle/>
+          <a:p>
+            <a:pPr algn="ctr"/>
+            <a:r>
+              <a:rPr lang="en-BE" dirty="0"/>
+              <a:t>8</a:t>
+            </a:r>
+          </a:p>
+        </p:txBody>
+      </p:sp>
+      <p:sp>
+        <p:nvSpPr>
+          <p:cNvPr id="21" name="Oval 20">
+            <a:extLst>
+              <a:ext uri="{FF2B5EF4-FFF2-40B4-BE49-F238E27FC236}">
+                <a16:creationId xmlns:a16="http://schemas.microsoft.com/office/drawing/2014/main" id="{F8E92538-81FA-5B3E-280F-87DC989E3073}"/>
+              </a:ext>
+            </a:extLst>
+          </p:cNvPr>
+          <p:cNvSpPr/>
+          <p:nvPr/>
+        </p:nvSpPr>
+        <p:spPr>
+          <a:xfrm>
+            <a:off x="6257405" y="4528864"/>
+            <a:ext cx="448484" cy="448484"/>
+          </a:xfrm>
+          <a:prstGeom prst="ellipse">
+            <a:avLst/>
+          </a:prstGeom>
+          <a:solidFill>
+            <a:schemeClr val="accent2">
+              <a:lumMod val="20000"/>
+              <a:lumOff val="80000"/>
+            </a:schemeClr>
+          </a:solidFill>
+        </p:spPr>
+        <p:style>
+          <a:lnRef idx="2">
+            <a:schemeClr val="dk1"/>
+          </a:lnRef>
+          <a:fillRef idx="1">
+            <a:schemeClr val="lt1"/>
+          </a:fillRef>
+          <a:effectRef idx="0">
+            <a:schemeClr val="dk1"/>
+          </a:effectRef>
+          <a:fontRef idx="minor">
+            <a:schemeClr val="dk1"/>
+          </a:fontRef>
+        </p:style>
+        <p:txBody>
+          <a:bodyPr wrap="none" lIns="0" tIns="0" rIns="0" bIns="0" rtlCol="0" anchor="ctr"/>
+          <a:lstStyle/>
+          <a:p>
+            <a:pPr algn="ctr"/>
+            <a:r>
+              <a:rPr lang="en-BE" dirty="0"/>
+              <a:t>13</a:t>
+            </a:r>
+          </a:p>
+        </p:txBody>
+      </p:sp>
+      <p:sp>
+        <p:nvSpPr>
+          <p:cNvPr id="22" name="Oval 21">
+            <a:extLst>
+              <a:ext uri="{FF2B5EF4-FFF2-40B4-BE49-F238E27FC236}">
+                <a16:creationId xmlns:a16="http://schemas.microsoft.com/office/drawing/2014/main" id="{0F9A062B-4F6E-4DB0-3DD8-F9265027524C}"/>
+              </a:ext>
+            </a:extLst>
+          </p:cNvPr>
+          <p:cNvSpPr/>
+          <p:nvPr/>
+        </p:nvSpPr>
+        <p:spPr>
+          <a:xfrm>
+            <a:off x="6928280" y="4528864"/>
+            <a:ext cx="448484" cy="448484"/>
+          </a:xfrm>
+          <a:prstGeom prst="ellipse">
+            <a:avLst/>
+          </a:prstGeom>
+          <a:solidFill>
+            <a:schemeClr val="accent5">
+              <a:lumMod val="20000"/>
+              <a:lumOff val="80000"/>
+            </a:schemeClr>
+          </a:solidFill>
+        </p:spPr>
+        <p:style>
+          <a:lnRef idx="2">
+            <a:schemeClr val="dk1"/>
+          </a:lnRef>
+          <a:fillRef idx="1">
+            <a:schemeClr val="lt1"/>
+          </a:fillRef>
+          <a:effectRef idx="0">
+            <a:schemeClr val="dk1"/>
+          </a:effectRef>
+          <a:fontRef idx="minor">
+            <a:schemeClr val="dk1"/>
+          </a:fontRef>
+        </p:style>
+        <p:txBody>
+          <a:bodyPr wrap="none" lIns="0" tIns="0" rIns="0" bIns="0" rtlCol="0" anchor="ctr"/>
+          <a:lstStyle/>
+          <a:p>
+            <a:pPr algn="ctr"/>
+            <a:r>
+              <a:rPr lang="en-BE" dirty="0"/>
+              <a:t>21</a:t>
+            </a:r>
+          </a:p>
+        </p:txBody>
+      </p:sp>
+      <p:cxnSp>
+        <p:nvCxnSpPr>
+          <p:cNvPr id="24" name="Curved Connector 23">
+            <a:extLst>
+              <a:ext uri="{FF2B5EF4-FFF2-40B4-BE49-F238E27FC236}">
+                <a16:creationId xmlns:a16="http://schemas.microsoft.com/office/drawing/2014/main" id="{662E1592-D801-8DA9-D934-5964D08493B7}"/>
+              </a:ext>
+            </a:extLst>
+          </p:cNvPr>
+          <p:cNvCxnSpPr>
+            <a:cxnSpLocks/>
+          </p:cNvCxnSpPr>
+          <p:nvPr/>
+        </p:nvCxnSpPr>
+        <p:spPr>
+          <a:xfrm rot="16200000" flipV="1">
+            <a:off x="2753629" y="4193426"/>
+            <a:ext cx="12700" cy="670875"/>
+          </a:xfrm>
+          <a:prstGeom prst="curvedConnector3">
+            <a:avLst>
+              <a:gd name="adj1" fmla="val 1800000"/>
+            </a:avLst>
+          </a:prstGeom>
+          <a:ln w="38100">
+            <a:solidFill>
+              <a:schemeClr val="accent4"/>
+            </a:solidFill>
+            <a:headEnd type="triangle"/>
+            <a:tailEnd type="none"/>
+          </a:ln>
+        </p:spPr>
+        <p:style>
+          <a:lnRef idx="2">
+            <a:schemeClr val="accent1"/>
+          </a:lnRef>
+          <a:fillRef idx="0">
+            <a:schemeClr val="accent1"/>
+          </a:fillRef>
+          <a:effectRef idx="1">
+            <a:schemeClr val="accent1"/>
+          </a:effectRef>
+          <a:fontRef idx="minor">
+            <a:schemeClr val="tx1"/>
+          </a:fontRef>
+        </p:style>
+      </p:cxnSp>
+      <p:cxnSp>
+        <p:nvCxnSpPr>
+          <p:cNvPr id="25" name="Curved Connector 24">
+            <a:extLst>
+              <a:ext uri="{FF2B5EF4-FFF2-40B4-BE49-F238E27FC236}">
+                <a16:creationId xmlns:a16="http://schemas.microsoft.com/office/drawing/2014/main" id="{D5AB99D6-D97A-40B9-5207-F9D2859D7BA0}"/>
+              </a:ext>
+            </a:extLst>
+          </p:cNvPr>
+          <p:cNvCxnSpPr>
+            <a:cxnSpLocks/>
+          </p:cNvCxnSpPr>
+          <p:nvPr/>
+        </p:nvCxnSpPr>
+        <p:spPr>
+          <a:xfrm rot="16200000" flipV="1">
+            <a:off x="2418191" y="3857989"/>
+            <a:ext cx="12700" cy="1341750"/>
+          </a:xfrm>
+          <a:prstGeom prst="curvedConnector3">
+            <a:avLst>
+              <a:gd name="adj1" fmla="val 3210307"/>
+            </a:avLst>
+          </a:prstGeom>
+          <a:ln w="38100">
+            <a:solidFill>
+              <a:schemeClr val="accent4"/>
+            </a:solidFill>
+            <a:headEnd type="triangle"/>
+            <a:tailEnd type="none"/>
+          </a:ln>
+        </p:spPr>
+        <p:style>
+          <a:lnRef idx="2">
+            <a:schemeClr val="accent1"/>
+          </a:lnRef>
+          <a:fillRef idx="0">
+            <a:schemeClr val="accent1"/>
+          </a:fillRef>
+          <a:effectRef idx="1">
+            <a:schemeClr val="accent1"/>
+          </a:effectRef>
+          <a:fontRef idx="minor">
+            <a:schemeClr val="tx1"/>
+          </a:fontRef>
+        </p:style>
+      </p:cxnSp>
+      <p:cxnSp>
+        <p:nvCxnSpPr>
+          <p:cNvPr id="26" name="Curved Connector 25">
+            <a:extLst>
+              <a:ext uri="{FF2B5EF4-FFF2-40B4-BE49-F238E27FC236}">
+                <a16:creationId xmlns:a16="http://schemas.microsoft.com/office/drawing/2014/main" id="{05100256-7281-D148-1024-85EECD8727A6}"/>
+              </a:ext>
+            </a:extLst>
+          </p:cNvPr>
+          <p:cNvCxnSpPr>
+            <a:cxnSpLocks/>
+          </p:cNvCxnSpPr>
+          <p:nvPr/>
+        </p:nvCxnSpPr>
+        <p:spPr>
+          <a:xfrm rot="5400000">
+            <a:off x="3424504" y="4641911"/>
+            <a:ext cx="12700" cy="670875"/>
+          </a:xfrm>
+          <a:prstGeom prst="curvedConnector3">
+            <a:avLst>
+              <a:gd name="adj1" fmla="val 1800000"/>
+            </a:avLst>
+          </a:prstGeom>
+          <a:ln w="38100">
+            <a:solidFill>
+              <a:schemeClr val="accent2"/>
+            </a:solidFill>
+            <a:headEnd type="triangle"/>
+            <a:tailEnd type="none"/>
+          </a:ln>
+        </p:spPr>
+        <p:style>
+          <a:lnRef idx="2">
+            <a:schemeClr val="accent1"/>
+          </a:lnRef>
+          <a:fillRef idx="0">
+            <a:schemeClr val="accent1"/>
+          </a:fillRef>
+          <a:effectRef idx="1">
+            <a:schemeClr val="accent1"/>
+          </a:effectRef>
+          <a:fontRef idx="minor">
+            <a:schemeClr val="tx1"/>
+          </a:fontRef>
+        </p:style>
+      </p:cxnSp>
+      <p:cxnSp>
+        <p:nvCxnSpPr>
+          <p:cNvPr id="37" name="Curved Connector 36">
+            <a:extLst>
+              <a:ext uri="{FF2B5EF4-FFF2-40B4-BE49-F238E27FC236}">
+                <a16:creationId xmlns:a16="http://schemas.microsoft.com/office/drawing/2014/main" id="{2BC25180-A01C-EEE6-4B58-865021D40C0B}"/>
+              </a:ext>
+            </a:extLst>
+          </p:cNvPr>
+          <p:cNvCxnSpPr>
+            <a:cxnSpLocks/>
+          </p:cNvCxnSpPr>
+          <p:nvPr/>
+        </p:nvCxnSpPr>
+        <p:spPr>
+          <a:xfrm rot="5400000">
+            <a:off x="3089066" y="4306473"/>
+            <a:ext cx="12700" cy="1341750"/>
+          </a:xfrm>
+          <a:prstGeom prst="curvedConnector3">
+            <a:avLst>
+              <a:gd name="adj1" fmla="val 3210307"/>
+            </a:avLst>
+          </a:prstGeom>
+          <a:ln w="38100">
+            <a:solidFill>
+              <a:schemeClr val="accent2"/>
+            </a:solidFill>
+            <a:headEnd type="triangle"/>
+            <a:tailEnd type="none"/>
+          </a:ln>
+        </p:spPr>
+        <p:style>
+          <a:lnRef idx="2">
+            <a:schemeClr val="accent1"/>
+          </a:lnRef>
+          <a:fillRef idx="0">
+            <a:schemeClr val="accent1"/>
+          </a:fillRef>
+          <a:effectRef idx="1">
+            <a:schemeClr val="accent1"/>
+          </a:effectRef>
+          <a:fontRef idx="minor">
+            <a:schemeClr val="tx1"/>
+          </a:fontRef>
+        </p:style>
+      </p:cxnSp>
+      <p:cxnSp>
+        <p:nvCxnSpPr>
+          <p:cNvPr id="38" name="Curved Connector 37">
+            <a:extLst>
+              <a:ext uri="{FF2B5EF4-FFF2-40B4-BE49-F238E27FC236}">
+                <a16:creationId xmlns:a16="http://schemas.microsoft.com/office/drawing/2014/main" id="{41377EF7-BE0F-D79D-5CD2-A1EBA9BF3696}"/>
+              </a:ext>
+            </a:extLst>
+          </p:cNvPr>
+          <p:cNvCxnSpPr/>
+          <p:nvPr/>
+        </p:nvCxnSpPr>
+        <p:spPr>
+          <a:xfrm rot="16200000" flipV="1">
+            <a:off x="4133585" y="4212477"/>
+            <a:ext cx="12700" cy="670875"/>
+          </a:xfrm>
+          <a:prstGeom prst="curvedConnector3">
+            <a:avLst>
+              <a:gd name="adj1" fmla="val 1800000"/>
+            </a:avLst>
+          </a:prstGeom>
+          <a:ln w="38100">
+            <a:solidFill>
+              <a:schemeClr val="accent5"/>
+            </a:solidFill>
+            <a:headEnd type="triangle"/>
+            <a:tailEnd type="none"/>
+          </a:ln>
+        </p:spPr>
+        <p:style>
+          <a:lnRef idx="2">
+            <a:schemeClr val="accent1"/>
+          </a:lnRef>
+          <a:fillRef idx="0">
+            <a:schemeClr val="accent1"/>
+          </a:fillRef>
+          <a:effectRef idx="1">
+            <a:schemeClr val="accent1"/>
+          </a:effectRef>
+          <a:fontRef idx="minor">
+            <a:schemeClr val="tx1"/>
+          </a:fontRef>
+        </p:style>
+      </p:cxnSp>
+      <p:cxnSp>
+        <p:nvCxnSpPr>
+          <p:cNvPr id="39" name="Curved Connector 38">
+            <a:extLst>
+              <a:ext uri="{FF2B5EF4-FFF2-40B4-BE49-F238E27FC236}">
+                <a16:creationId xmlns:a16="http://schemas.microsoft.com/office/drawing/2014/main" id="{B448D1FA-154C-F832-21C7-B4A6FC46250B}"/>
+              </a:ext>
+            </a:extLst>
+          </p:cNvPr>
+          <p:cNvCxnSpPr>
+            <a:cxnSpLocks/>
+          </p:cNvCxnSpPr>
+          <p:nvPr/>
+        </p:nvCxnSpPr>
+        <p:spPr>
+          <a:xfrm rot="16200000" flipV="1">
+            <a:off x="3798147" y="3877040"/>
+            <a:ext cx="12700" cy="1341750"/>
+          </a:xfrm>
+          <a:prstGeom prst="curvedConnector3">
+            <a:avLst>
+              <a:gd name="adj1" fmla="val 3210307"/>
+            </a:avLst>
+          </a:prstGeom>
+          <a:ln w="38100">
+            <a:solidFill>
+              <a:schemeClr val="accent5"/>
+            </a:solidFill>
+            <a:headEnd type="triangle"/>
+            <a:tailEnd type="none"/>
+          </a:ln>
+        </p:spPr>
+        <p:style>
+          <a:lnRef idx="2">
+            <a:schemeClr val="accent1"/>
+          </a:lnRef>
+          <a:fillRef idx="0">
+            <a:schemeClr val="accent1"/>
+          </a:fillRef>
+          <a:effectRef idx="1">
+            <a:schemeClr val="accent1"/>
+          </a:effectRef>
+          <a:fontRef idx="minor">
+            <a:schemeClr val="tx1"/>
+          </a:fontRef>
+        </p:style>
+      </p:cxnSp>
+      <p:cxnSp>
+        <p:nvCxnSpPr>
+          <p:cNvPr id="40" name="Curved Connector 39">
+            <a:extLst>
+              <a:ext uri="{FF2B5EF4-FFF2-40B4-BE49-F238E27FC236}">
+                <a16:creationId xmlns:a16="http://schemas.microsoft.com/office/drawing/2014/main" id="{9592E7A7-9CCD-FB9B-0FC2-4B44DB8B2064}"/>
+              </a:ext>
+            </a:extLst>
+          </p:cNvPr>
+          <p:cNvCxnSpPr>
+            <a:cxnSpLocks/>
+          </p:cNvCxnSpPr>
+          <p:nvPr/>
+        </p:nvCxnSpPr>
+        <p:spPr>
+          <a:xfrm rot="5400000">
+            <a:off x="4804460" y="4641911"/>
+            <a:ext cx="12700" cy="670875"/>
+          </a:xfrm>
+          <a:prstGeom prst="curvedConnector3">
+            <a:avLst>
+              <a:gd name="adj1" fmla="val 1800000"/>
+            </a:avLst>
+          </a:prstGeom>
+          <a:ln w="38100">
+            <a:solidFill>
+              <a:schemeClr val="accent6"/>
+            </a:solidFill>
+            <a:headEnd type="triangle"/>
+            <a:tailEnd type="none"/>
+          </a:ln>
+        </p:spPr>
+        <p:style>
+          <a:lnRef idx="2">
+            <a:schemeClr val="accent1"/>
+          </a:lnRef>
+          <a:fillRef idx="0">
+            <a:schemeClr val="accent1"/>
+          </a:fillRef>
+          <a:effectRef idx="1">
+            <a:schemeClr val="accent1"/>
+          </a:effectRef>
+          <a:fontRef idx="minor">
+            <a:schemeClr val="tx1"/>
+          </a:fontRef>
+        </p:style>
+      </p:cxnSp>
+      <p:cxnSp>
+        <p:nvCxnSpPr>
+          <p:cNvPr id="41" name="Curved Connector 40">
+            <a:extLst>
+              <a:ext uri="{FF2B5EF4-FFF2-40B4-BE49-F238E27FC236}">
+                <a16:creationId xmlns:a16="http://schemas.microsoft.com/office/drawing/2014/main" id="{E88CC25E-2851-88F2-9B4F-7E8557134759}"/>
+              </a:ext>
+            </a:extLst>
+          </p:cNvPr>
+          <p:cNvCxnSpPr>
+            <a:cxnSpLocks/>
+          </p:cNvCxnSpPr>
+          <p:nvPr/>
+        </p:nvCxnSpPr>
+        <p:spPr>
+          <a:xfrm rot="5400000">
+            <a:off x="4469022" y="4306473"/>
+            <a:ext cx="12700" cy="1341750"/>
+          </a:xfrm>
+          <a:prstGeom prst="curvedConnector3">
+            <a:avLst>
+              <a:gd name="adj1" fmla="val 3210307"/>
+            </a:avLst>
+          </a:prstGeom>
+          <a:ln w="38100">
+            <a:solidFill>
+              <a:schemeClr val="accent6"/>
+            </a:solidFill>
+            <a:headEnd type="triangle"/>
+            <a:tailEnd type="none"/>
+          </a:ln>
+        </p:spPr>
+        <p:style>
+          <a:lnRef idx="2">
+            <a:schemeClr val="accent1"/>
+          </a:lnRef>
+          <a:fillRef idx="0">
+            <a:schemeClr val="accent1"/>
+          </a:fillRef>
+          <a:effectRef idx="1">
+            <a:schemeClr val="accent1"/>
+          </a:effectRef>
+          <a:fontRef idx="minor">
+            <a:schemeClr val="tx1"/>
+          </a:fontRef>
+        </p:style>
+      </p:cxnSp>
+      <p:cxnSp>
+        <p:nvCxnSpPr>
+          <p:cNvPr id="42" name="Curved Connector 41">
+            <a:extLst>
+              <a:ext uri="{FF2B5EF4-FFF2-40B4-BE49-F238E27FC236}">
+                <a16:creationId xmlns:a16="http://schemas.microsoft.com/office/drawing/2014/main" id="{5A7E072C-E9D2-9987-8ABB-2AFEAD9798F3}"/>
+              </a:ext>
+            </a:extLst>
+          </p:cNvPr>
+          <p:cNvCxnSpPr>
+            <a:cxnSpLocks/>
+          </p:cNvCxnSpPr>
+          <p:nvPr/>
+        </p:nvCxnSpPr>
+        <p:spPr>
+          <a:xfrm rot="5400000">
+            <a:off x="6184417" y="4635560"/>
+            <a:ext cx="12700" cy="670875"/>
+          </a:xfrm>
+          <a:prstGeom prst="curvedConnector3">
+            <a:avLst>
+              <a:gd name="adj1" fmla="val 1800000"/>
+            </a:avLst>
+          </a:prstGeom>
+          <a:ln w="38100">
+            <a:solidFill>
+              <a:schemeClr val="accent2"/>
+            </a:solidFill>
+            <a:headEnd type="triangle"/>
+            <a:tailEnd type="none"/>
+          </a:ln>
+        </p:spPr>
+        <p:style>
+          <a:lnRef idx="2">
+            <a:schemeClr val="accent1"/>
+          </a:lnRef>
+          <a:fillRef idx="0">
+            <a:schemeClr val="accent1"/>
+          </a:fillRef>
+          <a:effectRef idx="1">
+            <a:schemeClr val="accent1"/>
+          </a:effectRef>
+          <a:fontRef idx="minor">
+            <a:schemeClr val="tx1"/>
+          </a:fontRef>
+        </p:style>
+      </p:cxnSp>
+      <p:cxnSp>
+        <p:nvCxnSpPr>
+          <p:cNvPr id="43" name="Curved Connector 42">
+            <a:extLst>
+              <a:ext uri="{FF2B5EF4-FFF2-40B4-BE49-F238E27FC236}">
+                <a16:creationId xmlns:a16="http://schemas.microsoft.com/office/drawing/2014/main" id="{5AA0FAF0-E029-7E92-87DB-A5E9A74C7B25}"/>
+              </a:ext>
+            </a:extLst>
+          </p:cNvPr>
+          <p:cNvCxnSpPr>
+            <a:cxnSpLocks/>
+          </p:cNvCxnSpPr>
+          <p:nvPr/>
+        </p:nvCxnSpPr>
+        <p:spPr>
+          <a:xfrm rot="5400000">
+            <a:off x="5848979" y="4300122"/>
+            <a:ext cx="12700" cy="1341750"/>
+          </a:xfrm>
+          <a:prstGeom prst="curvedConnector3">
+            <a:avLst>
+              <a:gd name="adj1" fmla="val 3210307"/>
+            </a:avLst>
+          </a:prstGeom>
+          <a:ln w="38100">
+            <a:solidFill>
+              <a:schemeClr val="accent2"/>
+            </a:solidFill>
+            <a:headEnd type="triangle"/>
+            <a:tailEnd type="none"/>
+          </a:ln>
+        </p:spPr>
+        <p:style>
+          <a:lnRef idx="2">
+            <a:schemeClr val="accent1"/>
+          </a:lnRef>
+          <a:fillRef idx="0">
+            <a:schemeClr val="accent1"/>
+          </a:fillRef>
+          <a:effectRef idx="1">
+            <a:schemeClr val="accent1"/>
+          </a:effectRef>
+          <a:fontRef idx="minor">
+            <a:schemeClr val="tx1"/>
+          </a:fontRef>
+        </p:style>
+      </p:cxnSp>
+      <p:cxnSp>
+        <p:nvCxnSpPr>
+          <p:cNvPr id="44" name="Curved Connector 43">
+            <a:extLst>
+              <a:ext uri="{FF2B5EF4-FFF2-40B4-BE49-F238E27FC236}">
+                <a16:creationId xmlns:a16="http://schemas.microsoft.com/office/drawing/2014/main" id="{92D6D64E-3A0E-AE06-35D5-E6408619FEF1}"/>
+              </a:ext>
+            </a:extLst>
+          </p:cNvPr>
+          <p:cNvCxnSpPr/>
+          <p:nvPr/>
+        </p:nvCxnSpPr>
+        <p:spPr>
+          <a:xfrm rot="16200000" flipV="1">
+            <a:off x="5513542" y="4225177"/>
+            <a:ext cx="12700" cy="670875"/>
+          </a:xfrm>
+          <a:prstGeom prst="curvedConnector3">
+            <a:avLst>
+              <a:gd name="adj1" fmla="val 1800000"/>
+            </a:avLst>
+          </a:prstGeom>
+          <a:ln w="38100">
+            <a:solidFill>
+              <a:schemeClr val="accent4"/>
+            </a:solidFill>
+            <a:headEnd type="triangle"/>
+            <a:tailEnd type="none"/>
+          </a:ln>
+        </p:spPr>
+        <p:style>
+          <a:lnRef idx="2">
+            <a:schemeClr val="accent1"/>
+          </a:lnRef>
+          <a:fillRef idx="0">
+            <a:schemeClr val="accent1"/>
+          </a:fillRef>
+          <a:effectRef idx="1">
+            <a:schemeClr val="accent1"/>
+          </a:effectRef>
+          <a:fontRef idx="minor">
+            <a:schemeClr val="tx1"/>
+          </a:fontRef>
+        </p:style>
+      </p:cxnSp>
+      <p:cxnSp>
+        <p:nvCxnSpPr>
+          <p:cNvPr id="45" name="Curved Connector 44">
+            <a:extLst>
+              <a:ext uri="{FF2B5EF4-FFF2-40B4-BE49-F238E27FC236}">
+                <a16:creationId xmlns:a16="http://schemas.microsoft.com/office/drawing/2014/main" id="{318F0E99-EB8F-92B7-65FD-8A709693C4D0}"/>
+              </a:ext>
+            </a:extLst>
+          </p:cNvPr>
+          <p:cNvCxnSpPr>
+            <a:cxnSpLocks/>
+          </p:cNvCxnSpPr>
+          <p:nvPr/>
+        </p:nvCxnSpPr>
+        <p:spPr>
+          <a:xfrm rot="16200000" flipV="1">
+            <a:off x="5178104" y="3889740"/>
+            <a:ext cx="12700" cy="1341750"/>
+          </a:xfrm>
+          <a:prstGeom prst="curvedConnector3">
+            <a:avLst>
+              <a:gd name="adj1" fmla="val 3210307"/>
+            </a:avLst>
+          </a:prstGeom>
+          <a:ln w="38100">
+            <a:solidFill>
+              <a:schemeClr val="accent4"/>
+            </a:solidFill>
+            <a:headEnd type="triangle"/>
+            <a:tailEnd type="none"/>
+          </a:ln>
+        </p:spPr>
+        <p:style>
+          <a:lnRef idx="2">
+            <a:schemeClr val="accent1"/>
+          </a:lnRef>
+          <a:fillRef idx="0">
+            <a:schemeClr val="accent1"/>
+          </a:fillRef>
+          <a:effectRef idx="1">
+            <a:schemeClr val="accent1"/>
+          </a:effectRef>
+          <a:fontRef idx="minor">
+            <a:schemeClr val="tx1"/>
+          </a:fontRef>
+        </p:style>
+      </p:cxnSp>
+      <p:cxnSp>
+        <p:nvCxnSpPr>
+          <p:cNvPr id="46" name="Curved Connector 45">
+            <a:extLst>
+              <a:ext uri="{FF2B5EF4-FFF2-40B4-BE49-F238E27FC236}">
+                <a16:creationId xmlns:a16="http://schemas.microsoft.com/office/drawing/2014/main" id="{D2CF4CB1-C241-6CF7-2FC6-389C36CAACDD}"/>
+              </a:ext>
+            </a:extLst>
+          </p:cNvPr>
+          <p:cNvCxnSpPr/>
+          <p:nvPr/>
+        </p:nvCxnSpPr>
+        <p:spPr>
+          <a:xfrm rot="16200000" flipV="1">
+            <a:off x="6910989" y="4225176"/>
+            <a:ext cx="12700" cy="670875"/>
+          </a:xfrm>
+          <a:prstGeom prst="curvedConnector3">
+            <a:avLst>
+              <a:gd name="adj1" fmla="val 1800000"/>
+            </a:avLst>
+          </a:prstGeom>
+          <a:ln w="38100">
+            <a:solidFill>
+              <a:schemeClr val="accent5"/>
+            </a:solidFill>
+            <a:headEnd type="triangle"/>
+            <a:tailEnd type="none"/>
+          </a:ln>
+        </p:spPr>
+        <p:style>
+          <a:lnRef idx="2">
+            <a:schemeClr val="accent1"/>
+          </a:lnRef>
+          <a:fillRef idx="0">
+            <a:schemeClr val="accent1"/>
+          </a:fillRef>
+          <a:effectRef idx="1">
+            <a:schemeClr val="accent1"/>
+          </a:effectRef>
+          <a:fontRef idx="minor">
+            <a:schemeClr val="tx1"/>
+          </a:fontRef>
+        </p:style>
+      </p:cxnSp>
+      <p:cxnSp>
+        <p:nvCxnSpPr>
+          <p:cNvPr id="47" name="Curved Connector 46">
+            <a:extLst>
+              <a:ext uri="{FF2B5EF4-FFF2-40B4-BE49-F238E27FC236}">
+                <a16:creationId xmlns:a16="http://schemas.microsoft.com/office/drawing/2014/main" id="{F0DF124A-750A-FEAB-8ECE-7007A293C145}"/>
+              </a:ext>
+            </a:extLst>
+          </p:cNvPr>
+          <p:cNvCxnSpPr>
+            <a:cxnSpLocks/>
+          </p:cNvCxnSpPr>
+          <p:nvPr/>
+        </p:nvCxnSpPr>
+        <p:spPr>
+          <a:xfrm rot="16200000" flipV="1">
+            <a:off x="6575551" y="3889739"/>
+            <a:ext cx="12700" cy="1341750"/>
+          </a:xfrm>
+          <a:prstGeom prst="curvedConnector3">
+            <a:avLst>
+              <a:gd name="adj1" fmla="val 3210307"/>
+            </a:avLst>
+          </a:prstGeom>
+          <a:ln w="38100">
+            <a:solidFill>
+              <a:schemeClr val="accent5"/>
+            </a:solidFill>
+            <a:headEnd type="triangle"/>
+            <a:tailEnd type="none"/>
+          </a:ln>
+        </p:spPr>
+        <p:style>
+          <a:lnRef idx="2">
+            <a:schemeClr val="accent1"/>
+          </a:lnRef>
+          <a:fillRef idx="0">
+            <a:schemeClr val="accent1"/>
+          </a:fillRef>
+          <a:effectRef idx="1">
+            <a:schemeClr val="accent1"/>
+          </a:effectRef>
+          <a:fontRef idx="minor">
+            <a:schemeClr val="tx1"/>
+          </a:fontRef>
+        </p:style>
+      </p:cxnSp>
+    </p:spTree>
+    <p:extLst>
+      <p:ext uri="{BB962C8B-B14F-4D97-AF65-F5344CB8AC3E}">
+        <p14:creationId xmlns:p14="http://schemas.microsoft.com/office/powerpoint/2010/main" val="3693684192"/>
       </p:ext>
     </p:extLst>
   </p:cSld>
